--- a/Loren Dunn DSIR Project 1.pptx
+++ b/Loren Dunn DSIR Project 1.pptx
@@ -115,6 +115,11 @@
       </a:defRPr>
     </a:lvl9pPr>
   </p:defaultTextStyle>
+  <p:extLst>
+    <p:ext uri="{EFAFB233-063F-42B5-8137-9DF3F51BA10A}">
+      <p15:sldGuideLst xmlns:p15="http://schemas.microsoft.com/office/powerpoint/2012/main"/>
+    </p:ext>
+  </p:extLst>
 </p:presentation>
 </file>
 
@@ -200,7 +205,7 @@
           <a:p>
             <a:fld id="{991B3998-FCF9-E545-A06F-182DF43DE875}" type="datetimeFigureOut">
               <a:rPr lang="en-US" smtClean="0"/>
-              <a:t>5/30/22</a:t>
+              <a:t>6/1/22</a:t>
             </a:fld>
             <a:endParaRPr lang="en-US"/>
           </a:p>
@@ -516,6 +521,126 @@
               <a:t>A 1300 is equivalent to a 28</a:t>
             </a:r>
           </a:p>
+          <a:p>
+            <a:pPr algn="l"/>
+            <a:r>
+              <a:rPr lang="en-US" sz="1200" b="1" dirty="0">
+                <a:solidFill>
+                  <a:schemeClr val="bg1"/>
+                </a:solidFill>
+                <a:latin typeface="DM Sans" pitchFamily="2" charset="77"/>
+              </a:rPr>
+              <a:t>At Washington College (MD), in 2019: </a:t>
+            </a:r>
+          </a:p>
+          <a:p>
+            <a:pPr marL="457200" indent="-457200" algn="l">
+              <a:buFontTx/>
+              <a:buChar char="-"/>
+            </a:pPr>
+            <a:r>
+              <a:rPr lang="en-US" sz="1200" b="1" dirty="0">
+                <a:solidFill>
+                  <a:schemeClr val="bg1"/>
+                </a:solidFill>
+                <a:latin typeface="DM Sans" pitchFamily="2" charset="77"/>
+              </a:rPr>
+              <a:t>75</a:t>
+            </a:r>
+            <a:r>
+              <a:rPr lang="en-US" sz="1200" b="1" baseline="30000" dirty="0">
+                <a:solidFill>
+                  <a:schemeClr val="bg1"/>
+                </a:solidFill>
+                <a:latin typeface="DM Sans" pitchFamily="2" charset="77"/>
+              </a:rPr>
+              <a:t>th</a:t>
+            </a:r>
+            <a:r>
+              <a:rPr lang="en-US" sz="1200" b="1" dirty="0">
+                <a:solidFill>
+                  <a:schemeClr val="bg1"/>
+                </a:solidFill>
+                <a:latin typeface="DM Sans" pitchFamily="2" charset="77"/>
+              </a:rPr>
+              <a:t> percentile SAT was 1300</a:t>
+            </a:r>
+          </a:p>
+          <a:p>
+            <a:pPr marL="457200" indent="-457200" algn="l">
+              <a:buFontTx/>
+              <a:buChar char="-"/>
+            </a:pPr>
+            <a:r>
+              <a:rPr lang="en-US" sz="1200" b="1" dirty="0">
+                <a:solidFill>
+                  <a:schemeClr val="bg1"/>
+                </a:solidFill>
+                <a:latin typeface="DM Sans" pitchFamily="2" charset="77"/>
+              </a:rPr>
+              <a:t>75</a:t>
+            </a:r>
+            <a:r>
+              <a:rPr lang="en-US" sz="1200" b="1" baseline="30000" dirty="0">
+                <a:solidFill>
+                  <a:schemeClr val="bg1"/>
+                </a:solidFill>
+                <a:latin typeface="DM Sans" pitchFamily="2" charset="77"/>
+              </a:rPr>
+              <a:t>th</a:t>
+            </a:r>
+            <a:r>
+              <a:rPr lang="en-US" sz="1200" b="1" dirty="0">
+                <a:solidFill>
+                  <a:schemeClr val="bg1"/>
+                </a:solidFill>
+                <a:latin typeface="DM Sans" pitchFamily="2" charset="77"/>
+              </a:rPr>
+              <a:t> percentile ACT was a 29</a:t>
+            </a:r>
+          </a:p>
+          <a:p>
+            <a:pPr marL="457200" indent="-457200" algn="l">
+              <a:buFontTx/>
+              <a:buChar char="-"/>
+            </a:pPr>
+            <a:r>
+              <a:rPr lang="en-US" sz="1200" b="1" dirty="0">
+                <a:solidFill>
+                  <a:schemeClr val="bg1"/>
+                </a:solidFill>
+                <a:latin typeface="DM Sans" pitchFamily="2" charset="77"/>
+              </a:rPr>
+              <a:t>ACT 29 is equivalent to an SAT 1340</a:t>
+            </a:r>
+          </a:p>
+          <a:p>
+            <a:pPr marL="457200" indent="-457200" algn="l">
+              <a:buFontTx/>
+              <a:buChar char="-"/>
+            </a:pPr>
+            <a:r>
+              <a:rPr lang="en-US" sz="1200" b="1" dirty="0">
+                <a:solidFill>
+                  <a:schemeClr val="bg1"/>
+                </a:solidFill>
+                <a:latin typeface="DM Sans" pitchFamily="2" charset="77"/>
+              </a:rPr>
+              <a:t>the 1300 SAT student appears equally strong as the “1340” ACT student, relative to admitted peers</a:t>
+            </a:r>
+            <a:r>
+              <a:rPr lang="en-US" sz="1600" b="1" dirty="0">
+                <a:solidFill>
+                  <a:schemeClr val="bg1"/>
+                </a:solidFill>
+                <a:latin typeface="DM Sans" pitchFamily="2" charset="77"/>
+              </a:rPr>
+              <a:t> </a:t>
+            </a:r>
+          </a:p>
+          <a:p>
+            <a:endParaRPr lang="en-US" dirty="0"/>
+          </a:p>
         </p:txBody>
       </p:sp>
       <p:sp>
@@ -545,6 +670,118 @@
     <p:extLst>
       <p:ext uri="{BB962C8B-B14F-4D97-AF65-F5344CB8AC3E}">
         <p14:creationId xmlns:p14="http://schemas.microsoft.com/office/powerpoint/2010/main" val="2373923505"/>
+      </p:ext>
+    </p:extLst>
+  </p:cSld>
+  <p:clrMapOvr>
+    <a:masterClrMapping/>
+  </p:clrMapOvr>
+</p:notes>
+</file>
+
+<file path=ppt/notesSlides/notesSlide2.xml><?xml version="1.0" encoding="utf-8"?>
+<p:notes xmlns:a="http://schemas.openxmlformats.org/drawingml/2006/main" xmlns:r="http://schemas.openxmlformats.org/officeDocument/2006/relationships" xmlns:p="http://schemas.openxmlformats.org/presentationml/2006/main">
+  <p:cSld>
+    <p:spTree>
+      <p:nvGrpSpPr>
+        <p:cNvPr id="1" name=""/>
+        <p:cNvGrpSpPr/>
+        <p:nvPr/>
+      </p:nvGrpSpPr>
+      <p:grpSpPr>
+        <a:xfrm>
+          <a:off x="0" y="0"/>
+          <a:ext cx="0" cy="0"/>
+          <a:chOff x="0" y="0"/>
+          <a:chExt cx="0" cy="0"/>
+        </a:xfrm>
+      </p:grpSpPr>
+      <p:sp>
+        <p:nvSpPr>
+          <p:cNvPr id="2" name="Slide Image Placeholder 1"/>
+          <p:cNvSpPr>
+            <a:spLocks noGrp="1" noRot="1" noChangeAspect="1"/>
+          </p:cNvSpPr>
+          <p:nvPr>
+            <p:ph type="sldImg"/>
+          </p:nvPr>
+        </p:nvSpPr>
+        <p:spPr/>
+      </p:sp>
+      <p:sp>
+        <p:nvSpPr>
+          <p:cNvPr id="3" name="Notes Placeholder 2"/>
+          <p:cNvSpPr>
+            <a:spLocks noGrp="1"/>
+          </p:cNvSpPr>
+          <p:nvPr>
+            <p:ph type="body" idx="1"/>
+          </p:nvPr>
+        </p:nvSpPr>
+        <p:spPr/>
+        <p:txBody>
+          <a:bodyPr/>
+          <a:lstStyle/>
+          <a:p>
+            <a:pPr marL="0" marR="0" lvl="0" indent="0" algn="l" defTabSz="914400" rtl="0" eaLnBrk="1" fontAlgn="auto" latinLnBrk="0" hangingPunct="1">
+              <a:lnSpc>
+                <a:spcPct val="100000"/>
+              </a:lnSpc>
+              <a:spcBef>
+                <a:spcPts val="0"/>
+              </a:spcBef>
+              <a:spcAft>
+                <a:spcPts val="0"/>
+              </a:spcAft>
+              <a:buClrTx/>
+              <a:buSzTx/>
+              <a:buFontTx/>
+              <a:buNone/>
+              <a:tabLst/>
+              <a:defRPr/>
+            </a:pPr>
+            <a:r>
+              <a:rPr lang="en-US" sz="1200" b="0" dirty="0">
+                <a:solidFill>
+                  <a:schemeClr val="bg1"/>
+                </a:solidFill>
+                <a:latin typeface="DM Sans" pitchFamily="2" charset="77"/>
+              </a:rPr>
+              <a:t>Factors to be considered include: geography, college, and where the student’s scores fall among the college’s applicants</a:t>
+            </a:r>
+          </a:p>
+          <a:p>
+            <a:endParaRPr lang="en-US" dirty="0"/>
+          </a:p>
+        </p:txBody>
+      </p:sp>
+      <p:sp>
+        <p:nvSpPr>
+          <p:cNvPr id="4" name="Slide Number Placeholder 3"/>
+          <p:cNvSpPr>
+            <a:spLocks noGrp="1"/>
+          </p:cNvSpPr>
+          <p:nvPr>
+            <p:ph type="sldNum" sz="quarter" idx="5"/>
+          </p:nvPr>
+        </p:nvSpPr>
+        <p:spPr/>
+        <p:txBody>
+          <a:bodyPr/>
+          <a:lstStyle/>
+          <a:p>
+            <a:fld id="{E6F61520-9FAA-9240-8C7C-B91F5091A0D8}" type="slidenum">
+              <a:rPr lang="en-US" smtClean="0"/>
+              <a:t>8</a:t>
+            </a:fld>
+            <a:endParaRPr lang="en-US"/>
+          </a:p>
+        </p:txBody>
+      </p:sp>
+    </p:spTree>
+    <p:extLst>
+      <p:ext uri="{BB962C8B-B14F-4D97-AF65-F5344CB8AC3E}">
+        <p14:creationId xmlns:p14="http://schemas.microsoft.com/office/powerpoint/2010/main" val="2654295569"/>
       </p:ext>
     </p:extLst>
   </p:cSld>
@@ -701,7 +938,7 @@
           <a:p>
             <a:fld id="{0BC818AE-4669-C943-956F-B1E114476791}" type="datetimeFigureOut">
               <a:rPr lang="en-US" smtClean="0"/>
-              <a:t>5/30/22</a:t>
+              <a:t>6/1/22</a:t>
             </a:fld>
             <a:endParaRPr lang="en-US"/>
           </a:p>
@@ -899,7 +1136,7 @@
           <a:p>
             <a:fld id="{0BC818AE-4669-C943-956F-B1E114476791}" type="datetimeFigureOut">
               <a:rPr lang="en-US" smtClean="0"/>
-              <a:t>5/30/22</a:t>
+              <a:t>6/1/22</a:t>
             </a:fld>
             <a:endParaRPr lang="en-US"/>
           </a:p>
@@ -1107,7 +1344,7 @@
           <a:p>
             <a:fld id="{0BC818AE-4669-C943-956F-B1E114476791}" type="datetimeFigureOut">
               <a:rPr lang="en-US" smtClean="0"/>
-              <a:t>5/30/22</a:t>
+              <a:t>6/1/22</a:t>
             </a:fld>
             <a:endParaRPr lang="en-US"/>
           </a:p>
@@ -1305,7 +1542,7 @@
           <a:p>
             <a:fld id="{0BC818AE-4669-C943-956F-B1E114476791}" type="datetimeFigureOut">
               <a:rPr lang="en-US" smtClean="0"/>
-              <a:t>5/30/22</a:t>
+              <a:t>6/1/22</a:t>
             </a:fld>
             <a:endParaRPr lang="en-US"/>
           </a:p>
@@ -1580,7 +1817,7 @@
           <a:p>
             <a:fld id="{0BC818AE-4669-C943-956F-B1E114476791}" type="datetimeFigureOut">
               <a:rPr lang="en-US" smtClean="0"/>
-              <a:t>5/30/22</a:t>
+              <a:t>6/1/22</a:t>
             </a:fld>
             <a:endParaRPr lang="en-US"/>
           </a:p>
@@ -1845,7 +2082,7 @@
           <a:p>
             <a:fld id="{0BC818AE-4669-C943-956F-B1E114476791}" type="datetimeFigureOut">
               <a:rPr lang="en-US" smtClean="0"/>
-              <a:t>5/30/22</a:t>
+              <a:t>6/1/22</a:t>
             </a:fld>
             <a:endParaRPr lang="en-US"/>
           </a:p>
@@ -2257,7 +2494,7 @@
           <a:p>
             <a:fld id="{0BC818AE-4669-C943-956F-B1E114476791}" type="datetimeFigureOut">
               <a:rPr lang="en-US" smtClean="0"/>
-              <a:t>5/30/22</a:t>
+              <a:t>6/1/22</a:t>
             </a:fld>
             <a:endParaRPr lang="en-US"/>
           </a:p>
@@ -2398,7 +2635,7 @@
           <a:p>
             <a:fld id="{0BC818AE-4669-C943-956F-B1E114476791}" type="datetimeFigureOut">
               <a:rPr lang="en-US" smtClean="0"/>
-              <a:t>5/30/22</a:t>
+              <a:t>6/1/22</a:t>
             </a:fld>
             <a:endParaRPr lang="en-US"/>
           </a:p>
@@ -2511,7 +2748,7 @@
           <a:p>
             <a:fld id="{0BC818AE-4669-C943-956F-B1E114476791}" type="datetimeFigureOut">
               <a:rPr lang="en-US" smtClean="0"/>
-              <a:t>5/30/22</a:t>
+              <a:t>6/1/22</a:t>
             </a:fld>
             <a:endParaRPr lang="en-US"/>
           </a:p>
@@ -2822,7 +3059,7 @@
           <a:p>
             <a:fld id="{0BC818AE-4669-C943-956F-B1E114476791}" type="datetimeFigureOut">
               <a:rPr lang="en-US" smtClean="0"/>
-              <a:t>5/30/22</a:t>
+              <a:t>6/1/22</a:t>
             </a:fld>
             <a:endParaRPr lang="en-US"/>
           </a:p>
@@ -3110,7 +3347,7 @@
           <a:p>
             <a:fld id="{0BC818AE-4669-C943-956F-B1E114476791}" type="datetimeFigureOut">
               <a:rPr lang="en-US" smtClean="0"/>
-              <a:t>5/30/22</a:t>
+              <a:t>6/1/22</a:t>
             </a:fld>
             <a:endParaRPr lang="en-US"/>
           </a:p>
@@ -3354,7 +3591,7 @@
           <a:p>
             <a:fld id="{0BC818AE-4669-C943-956F-B1E114476791}" type="datetimeFigureOut">
               <a:rPr lang="en-US" smtClean="0"/>
-              <a:t>5/30/22</a:t>
+              <a:t>6/1/22</a:t>
             </a:fld>
             <a:endParaRPr lang="en-US"/>
           </a:p>
@@ -4474,12 +4711,106 @@
           <a:chExt cx="0" cy="0"/>
         </a:xfrm>
       </p:grpSpPr>
+      <p:sp>
+        <p:nvSpPr>
+          <p:cNvPr id="6" name="TextBox 5">
+            <a:extLst>
+              <a:ext uri="{FF2B5EF4-FFF2-40B4-BE49-F238E27FC236}">
+                <a16:creationId xmlns:a16="http://schemas.microsoft.com/office/drawing/2014/main" id="{C802B865-468C-3D77-A71B-43F4C4642124}"/>
+              </a:ext>
+            </a:extLst>
+          </p:cNvPr>
+          <p:cNvSpPr txBox="1"/>
+          <p:nvPr/>
+        </p:nvSpPr>
+        <p:spPr>
+          <a:xfrm>
+            <a:off x="1416675" y="283335"/>
+            <a:ext cx="9002333" cy="1200329"/>
+          </a:xfrm>
+          <a:prstGeom prst="rect">
+            <a:avLst/>
+          </a:prstGeom>
+          <a:noFill/>
+        </p:spPr>
+        <p:txBody>
+          <a:bodyPr wrap="square" rtlCol="0">
+            <a:spAutoFit/>
+          </a:bodyPr>
+          <a:lstStyle/>
+          <a:p>
+            <a:r>
+              <a:rPr lang="en-US" sz="2400" b="1" dirty="0">
+                <a:solidFill>
+                  <a:schemeClr val="bg1"/>
+                </a:solidFill>
+                <a:latin typeface="DM Sans" pitchFamily="2" charset="77"/>
+              </a:rPr>
+              <a:t>This pattern is less pronounced when looking at college-level data at the 25</a:t>
+            </a:r>
+            <a:r>
+              <a:rPr lang="en-US" sz="2400" b="1" baseline="30000" dirty="0">
+                <a:solidFill>
+                  <a:schemeClr val="bg1"/>
+                </a:solidFill>
+                <a:latin typeface="DM Sans" pitchFamily="2" charset="77"/>
+              </a:rPr>
+              <a:t>th</a:t>
+            </a:r>
+            <a:r>
+              <a:rPr lang="en-US" sz="2400" b="1" dirty="0">
+                <a:solidFill>
+                  <a:schemeClr val="bg1"/>
+                </a:solidFill>
+                <a:latin typeface="DM Sans" pitchFamily="2" charset="77"/>
+              </a:rPr>
+              <a:t> and 75</a:t>
+            </a:r>
+            <a:r>
+              <a:rPr lang="en-US" sz="2400" b="1" baseline="30000" dirty="0">
+                <a:solidFill>
+                  <a:schemeClr val="bg1"/>
+                </a:solidFill>
+                <a:latin typeface="DM Sans" pitchFamily="2" charset="77"/>
+              </a:rPr>
+              <a:t>th</a:t>
+            </a:r>
+            <a:r>
+              <a:rPr lang="en-US" sz="2400" b="1" dirty="0">
+                <a:solidFill>
+                  <a:schemeClr val="bg1"/>
+                </a:solidFill>
+                <a:latin typeface="DM Sans" pitchFamily="2" charset="77"/>
+              </a:rPr>
+              <a:t> percentiles, but there are still meaningful variations, especially at the 75</a:t>
+            </a:r>
+            <a:r>
+              <a:rPr lang="en-US" sz="2400" b="1" baseline="30000" dirty="0">
+                <a:solidFill>
+                  <a:schemeClr val="bg1"/>
+                </a:solidFill>
+                <a:latin typeface="DM Sans" pitchFamily="2" charset="77"/>
+              </a:rPr>
+              <a:t>th</a:t>
+            </a:r>
+            <a:r>
+              <a:rPr lang="en-US" sz="2400" b="1" dirty="0">
+                <a:solidFill>
+                  <a:schemeClr val="bg1"/>
+                </a:solidFill>
+                <a:latin typeface="DM Sans" pitchFamily="2" charset="77"/>
+              </a:rPr>
+              <a:t> percentile.</a:t>
+            </a:r>
+          </a:p>
+        </p:txBody>
+      </p:sp>
       <p:pic>
         <p:nvPicPr>
-          <p:cNvPr id="3" name="Picture 2">
-            <a:extLst>
-              <a:ext uri="{FF2B5EF4-FFF2-40B4-BE49-F238E27FC236}">
-                <a16:creationId xmlns:a16="http://schemas.microsoft.com/office/drawing/2014/main" id="{5AD9148C-A62C-BE4A-BA62-2EE5C9545993}"/>
+          <p:cNvPr id="4" name="Picture 3">
+            <a:extLst>
+              <a:ext uri="{FF2B5EF4-FFF2-40B4-BE49-F238E27FC236}">
+                <a16:creationId xmlns:a16="http://schemas.microsoft.com/office/drawing/2014/main" id="{BCD814A4-7726-5143-B2E4-5A44C28EAE06}"/>
               </a:ext>
             </a:extLst>
           </p:cNvPr>
@@ -4496,108 +4827,14 @@
         </p:blipFill>
         <p:spPr>
           <a:xfrm>
-            <a:off x="-156694" y="1133341"/>
-            <a:ext cx="11872176" cy="5936088"/>
+            <a:off x="-350728" y="1094396"/>
+            <a:ext cx="12192000" cy="6096000"/>
           </a:xfrm>
           <a:prstGeom prst="rect">
             <a:avLst/>
           </a:prstGeom>
         </p:spPr>
       </p:pic>
-      <p:sp>
-        <p:nvSpPr>
-          <p:cNvPr id="6" name="TextBox 5">
-            <a:extLst>
-              <a:ext uri="{FF2B5EF4-FFF2-40B4-BE49-F238E27FC236}">
-                <a16:creationId xmlns:a16="http://schemas.microsoft.com/office/drawing/2014/main" id="{C802B865-468C-3D77-A71B-43F4C4642124}"/>
-              </a:ext>
-            </a:extLst>
-          </p:cNvPr>
-          <p:cNvSpPr txBox="1"/>
-          <p:nvPr/>
-        </p:nvSpPr>
-        <p:spPr>
-          <a:xfrm>
-            <a:off x="1416675" y="283335"/>
-            <a:ext cx="9002333" cy="1200329"/>
-          </a:xfrm>
-          <a:prstGeom prst="rect">
-            <a:avLst/>
-          </a:prstGeom>
-          <a:noFill/>
-        </p:spPr>
-        <p:txBody>
-          <a:bodyPr wrap="square" rtlCol="0">
-            <a:spAutoFit/>
-          </a:bodyPr>
-          <a:lstStyle/>
-          <a:p>
-            <a:r>
-              <a:rPr lang="en-US" sz="2400" b="1" dirty="0">
-                <a:solidFill>
-                  <a:schemeClr val="bg1"/>
-                </a:solidFill>
-                <a:latin typeface="DM Sans" pitchFamily="2" charset="77"/>
-              </a:rPr>
-              <a:t>This pattern is less pronounced when looking at college-level data at the 25</a:t>
-            </a:r>
-            <a:r>
-              <a:rPr lang="en-US" sz="2400" b="1" baseline="30000" dirty="0">
-                <a:solidFill>
-                  <a:schemeClr val="bg1"/>
-                </a:solidFill>
-                <a:latin typeface="DM Sans" pitchFamily="2" charset="77"/>
-              </a:rPr>
-              <a:t>th</a:t>
-            </a:r>
-            <a:r>
-              <a:rPr lang="en-US" sz="2400" b="1" dirty="0">
-                <a:solidFill>
-                  <a:schemeClr val="bg1"/>
-                </a:solidFill>
-                <a:latin typeface="DM Sans" pitchFamily="2" charset="77"/>
-              </a:rPr>
-              <a:t> and 75</a:t>
-            </a:r>
-            <a:r>
-              <a:rPr lang="en-US" sz="2400" b="1" baseline="30000" dirty="0">
-                <a:solidFill>
-                  <a:schemeClr val="bg1"/>
-                </a:solidFill>
-                <a:latin typeface="DM Sans" pitchFamily="2" charset="77"/>
-              </a:rPr>
-              <a:t>th</a:t>
-            </a:r>
-            <a:r>
-              <a:rPr lang="en-US" sz="2400" b="1" dirty="0">
-                <a:solidFill>
-                  <a:schemeClr val="bg1"/>
-                </a:solidFill>
-                <a:latin typeface="DM Sans" pitchFamily="2" charset="77"/>
-              </a:rPr>
-              <a:t> percentiles, but there are still meaningful variations, especially at the 75</a:t>
-            </a:r>
-            <a:r>
-              <a:rPr lang="en-US" sz="2400" b="1" baseline="30000" dirty="0">
-                <a:solidFill>
-                  <a:schemeClr val="bg1"/>
-                </a:solidFill>
-                <a:latin typeface="DM Sans" pitchFamily="2" charset="77"/>
-              </a:rPr>
-              <a:t>th</a:t>
-            </a:r>
-            <a:r>
-              <a:rPr lang="en-US" sz="2400" b="1" dirty="0">
-                <a:solidFill>
-                  <a:schemeClr val="bg1"/>
-                </a:solidFill>
-                <a:latin typeface="DM Sans" pitchFamily="2" charset="77"/>
-              </a:rPr>
-              <a:t> percentile.</a:t>
-            </a:r>
-          </a:p>
-        </p:txBody>
-      </p:sp>
     </p:spTree>
     <p:extLst>
       <p:ext uri="{BB962C8B-B14F-4D97-AF65-F5344CB8AC3E}">
@@ -4643,7 +4880,7 @@
         <p:spPr>
           <a:xfrm>
             <a:off x="927279" y="270456"/>
-            <a:ext cx="10406129" cy="1323439"/>
+            <a:ext cx="10406129" cy="1200329"/>
           </a:xfrm>
           <a:prstGeom prst="rect">
             <a:avLst/>
@@ -4658,7 +4895,7 @@
           <a:p>
             <a:pPr algn="l"/>
             <a:r>
-              <a:rPr lang="en-US" sz="4000" b="1" dirty="0">
+              <a:rPr lang="en-US" sz="3600" b="1" dirty="0">
                 <a:solidFill>
                   <a:schemeClr val="bg1"/>
                 </a:solidFill>
@@ -4683,8 +4920,8 @@
         </p:nvSpPr>
         <p:spPr>
           <a:xfrm>
-            <a:off x="1120462" y="1957589"/>
-            <a:ext cx="10097037" cy="1754326"/>
+            <a:off x="1047481" y="932176"/>
+            <a:ext cx="10097037" cy="1077218"/>
           </a:xfrm>
           <a:prstGeom prst="rect">
             <a:avLst/>
@@ -4699,47 +4936,35 @@
           <a:p>
             <a:pPr algn="r"/>
             <a:r>
-              <a:rPr lang="en-US" sz="3600" b="1" dirty="0">
+              <a:rPr lang="en-US" sz="3200" b="1" dirty="0">
                 <a:solidFill>
                   <a:schemeClr val="bg1"/>
                 </a:solidFill>
                 <a:latin typeface="DM Sans" pitchFamily="2" charset="77"/>
               </a:rPr>
-              <a:t>…so this discrepancy means that</a:t>
+              <a:t>…so a student can can gain an </a:t>
             </a:r>
           </a:p>
           <a:p>
             <a:pPr algn="r"/>
             <a:r>
-              <a:rPr lang="en-US" sz="3600" b="1" dirty="0">
+              <a:rPr lang="en-US" sz="3200" b="1" dirty="0">
                 <a:solidFill>
                   <a:schemeClr val="bg1"/>
                 </a:solidFill>
                 <a:latin typeface="DM Sans" pitchFamily="2" charset="77"/>
               </a:rPr>
-              <a:t>a student can can gain an advantage</a:t>
-            </a:r>
-          </a:p>
-          <a:p>
-            <a:pPr algn="r"/>
-            <a:r>
-              <a:rPr lang="en-US" sz="3600" b="1" dirty="0">
-                <a:solidFill>
-                  <a:schemeClr val="bg1"/>
-                </a:solidFill>
-                <a:latin typeface="DM Sans" pitchFamily="2" charset="77"/>
-              </a:rPr>
-              <a:t>by using the “weaker test”.</a:t>
-            </a:r>
-          </a:p>
-        </p:txBody>
-      </p:sp>
-      <p:sp>
-        <p:nvSpPr>
-          <p:cNvPr id="4" name="TextBox 3">
-            <a:extLst>
-              <a:ext uri="{FF2B5EF4-FFF2-40B4-BE49-F238E27FC236}">
-                <a16:creationId xmlns:a16="http://schemas.microsoft.com/office/drawing/2014/main" id="{F85F370E-5591-8BCD-D322-8B6E48FE934E}"/>
+              <a:t>advantage by using the “weaker test”.</a:t>
+            </a:r>
+          </a:p>
+        </p:txBody>
+      </p:sp>
+      <p:sp>
+        <p:nvSpPr>
+          <p:cNvPr id="7" name="TextBox 6">
+            <a:extLst>
+              <a:ext uri="{FF2B5EF4-FFF2-40B4-BE49-F238E27FC236}">
+                <a16:creationId xmlns:a16="http://schemas.microsoft.com/office/drawing/2014/main" id="{111883CB-1AB9-19AC-647D-068BCA47B90A}"/>
               </a:ext>
             </a:extLst>
           </p:cNvPr>
@@ -4748,8 +4973,8 @@
         </p:nvSpPr>
         <p:spPr>
           <a:xfrm>
-            <a:off x="759853" y="4365010"/>
-            <a:ext cx="10045521" cy="2492990"/>
+            <a:off x="5436297" y="2705281"/>
+            <a:ext cx="6048512" cy="3231654"/>
           </a:xfrm>
           <a:prstGeom prst="rect">
             <a:avLst/>
@@ -4762,133 +4987,159 @@
           </a:bodyPr>
           <a:lstStyle/>
           <a:p>
-            <a:pPr algn="l"/>
-            <a:r>
-              <a:rPr lang="en-US" sz="2000" b="1" dirty="0">
+            <a:r>
+              <a:rPr lang="en-US" sz="3200" b="1" dirty="0">
                 <a:solidFill>
                   <a:schemeClr val="bg1"/>
                 </a:solidFill>
                 <a:latin typeface="DM Sans" pitchFamily="2" charset="77"/>
               </a:rPr>
-              <a:t>At Washington College (MD), in 2019: </a:t>
-            </a:r>
-          </a:p>
-          <a:p>
-            <a:pPr marL="457200" indent="-457200" algn="l">
-              <a:buFontTx/>
-              <a:buChar char="-"/>
-            </a:pPr>
-            <a:r>
-              <a:rPr lang="en-US" sz="2000" b="1" dirty="0">
-                <a:solidFill>
-                  <a:schemeClr val="bg1"/>
-                </a:solidFill>
-                <a:latin typeface="DM Sans" pitchFamily="2" charset="77"/>
-              </a:rPr>
-              <a:t>75</a:t>
-            </a:r>
-            <a:r>
-              <a:rPr lang="en-US" sz="2000" b="1" baseline="30000" dirty="0">
-                <a:solidFill>
-                  <a:schemeClr val="bg1"/>
-                </a:solidFill>
-                <a:latin typeface="DM Sans" pitchFamily="2" charset="77"/>
-              </a:rPr>
-              <a:t>th</a:t>
-            </a:r>
-            <a:r>
-              <a:rPr lang="en-US" sz="2000" b="1" dirty="0">
-                <a:solidFill>
-                  <a:schemeClr val="bg1"/>
-                </a:solidFill>
-                <a:latin typeface="DM Sans" pitchFamily="2" charset="77"/>
-              </a:rPr>
-              <a:t> percentile SAT was 1300</a:t>
-            </a:r>
-          </a:p>
-          <a:p>
-            <a:pPr marL="457200" indent="-457200" algn="l">
-              <a:buFontTx/>
-              <a:buChar char="-"/>
-            </a:pPr>
-            <a:r>
-              <a:rPr lang="en-US" sz="2000" b="1" dirty="0">
-                <a:solidFill>
-                  <a:schemeClr val="bg1"/>
-                </a:solidFill>
-                <a:latin typeface="DM Sans" pitchFamily="2" charset="77"/>
-              </a:rPr>
-              <a:t>75</a:t>
-            </a:r>
-            <a:r>
-              <a:rPr lang="en-US" sz="2000" b="1" baseline="30000" dirty="0">
-                <a:solidFill>
-                  <a:schemeClr val="bg1"/>
-                </a:solidFill>
-                <a:latin typeface="DM Sans" pitchFamily="2" charset="77"/>
-              </a:rPr>
-              <a:t>th</a:t>
-            </a:r>
-            <a:r>
-              <a:rPr lang="en-US" sz="2000" b="1" dirty="0">
-                <a:solidFill>
-                  <a:schemeClr val="bg1"/>
-                </a:solidFill>
-                <a:latin typeface="DM Sans" pitchFamily="2" charset="77"/>
-              </a:rPr>
-              <a:t> percentile ACT was a 29</a:t>
-            </a:r>
-          </a:p>
-          <a:p>
-            <a:pPr marL="457200" indent="-457200" algn="l">
-              <a:buFontTx/>
-              <a:buChar char="-"/>
-            </a:pPr>
-            <a:r>
-              <a:rPr lang="en-US" sz="2000" b="1" dirty="0">
-                <a:solidFill>
-                  <a:schemeClr val="bg1"/>
-                </a:solidFill>
-                <a:latin typeface="DM Sans" pitchFamily="2" charset="77"/>
-              </a:rPr>
-              <a:t>ACT 29 is equivalent to an SAT 1340</a:t>
-            </a:r>
-          </a:p>
-          <a:p>
-            <a:pPr marL="457200" indent="-457200" algn="l">
-              <a:buFontTx/>
-              <a:buChar char="-"/>
-            </a:pPr>
-            <a:r>
-              <a:rPr lang="en-US" sz="2000" b="1" dirty="0">
-                <a:solidFill>
-                  <a:schemeClr val="bg1"/>
-                </a:solidFill>
-                <a:latin typeface="DM Sans" pitchFamily="2" charset="77"/>
-              </a:rPr>
-              <a:t>the 1300 SAT student appears equally strong as the “1340” ACT student, relative to admitted peers</a:t>
-            </a:r>
-            <a:r>
-              <a:rPr lang="en-US" sz="2800" b="1" dirty="0">
-                <a:solidFill>
-                  <a:schemeClr val="bg1"/>
-                </a:solidFill>
-                <a:latin typeface="DM Sans" pitchFamily="2" charset="77"/>
-              </a:rPr>
-              <a:t> </a:t>
-            </a:r>
-          </a:p>
-          <a:p>
-            <a:pPr algn="l"/>
-            <a:endParaRPr lang="en-US" sz="2800" b="1" dirty="0">
+              <a:t>Example:</a:t>
+            </a:r>
+          </a:p>
+          <a:p>
+            <a:endParaRPr lang="en-US" sz="3200" b="1" dirty="0">
               <a:solidFill>
                 <a:schemeClr val="bg1"/>
               </a:solidFill>
               <a:latin typeface="DM Sans" pitchFamily="2" charset="77"/>
             </a:endParaRPr>
           </a:p>
-        </p:txBody>
-      </p:sp>
+          <a:p>
+            <a:r>
+              <a:rPr lang="en-US" sz="2000" b="1" dirty="0">
+                <a:solidFill>
+                  <a:schemeClr val="bg1"/>
+                </a:solidFill>
+                <a:latin typeface="DM Sans" pitchFamily="2" charset="77"/>
+              </a:rPr>
+              <a:t>Among Washington College (MD) applicants:</a:t>
+            </a:r>
+          </a:p>
+          <a:p>
+            <a:endParaRPr lang="en-US" sz="2000" b="1" dirty="0">
+              <a:solidFill>
+                <a:schemeClr val="bg1"/>
+              </a:solidFill>
+              <a:latin typeface="DM Sans" pitchFamily="2" charset="77"/>
+            </a:endParaRPr>
+          </a:p>
+          <a:p>
+            <a:r>
+              <a:rPr lang="en-US" sz="2000" b="1" dirty="0">
+                <a:solidFill>
+                  <a:schemeClr val="bg1"/>
+                </a:solidFill>
+                <a:latin typeface="DM Sans" pitchFamily="2" charset="77"/>
+              </a:rPr>
+              <a:t> - the ACT equivalent of a 1340 is the 75</a:t>
+            </a:r>
+            <a:r>
+              <a:rPr lang="en-US" sz="2000" b="1" baseline="30000" dirty="0">
+                <a:solidFill>
+                  <a:schemeClr val="bg1"/>
+                </a:solidFill>
+                <a:latin typeface="DM Sans" pitchFamily="2" charset="77"/>
+              </a:rPr>
+              <a:t>th</a:t>
+            </a:r>
+            <a:r>
+              <a:rPr lang="en-US" sz="2000" b="1" dirty="0">
+                <a:solidFill>
+                  <a:schemeClr val="bg1"/>
+                </a:solidFill>
+                <a:latin typeface="DM Sans" pitchFamily="2" charset="77"/>
+              </a:rPr>
+              <a:t> percentile </a:t>
+            </a:r>
+          </a:p>
+          <a:p>
+            <a:endParaRPr lang="en-US" sz="2000" b="1" dirty="0">
+              <a:solidFill>
+                <a:schemeClr val="bg1"/>
+              </a:solidFill>
+              <a:latin typeface="DM Sans" pitchFamily="2" charset="77"/>
+            </a:endParaRPr>
+          </a:p>
+          <a:p>
+            <a:r>
+              <a:rPr lang="en-US" sz="2000" b="1" dirty="0">
+                <a:solidFill>
+                  <a:schemeClr val="bg1"/>
+                </a:solidFill>
+                <a:latin typeface="DM Sans" pitchFamily="2" charset="77"/>
+              </a:rPr>
+              <a:t>- an </a:t>
+            </a:r>
+            <a:r>
+              <a:rPr lang="en-US" sz="2000" b="1" i="1" dirty="0">
+                <a:solidFill>
+                  <a:schemeClr val="bg1"/>
+                </a:solidFill>
+                <a:latin typeface="DM Sans" pitchFamily="2" charset="77"/>
+              </a:rPr>
+              <a:t>actual</a:t>
+            </a:r>
+            <a:r>
+              <a:rPr lang="en-US" sz="2000" b="1" dirty="0">
+                <a:solidFill>
+                  <a:schemeClr val="bg1"/>
+                </a:solidFill>
+                <a:latin typeface="DM Sans" pitchFamily="2" charset="77"/>
+              </a:rPr>
+              <a:t> SAT 1340 would be above the 75</a:t>
+            </a:r>
+            <a:r>
+              <a:rPr lang="en-US" sz="2000" b="1" baseline="30000" dirty="0">
+                <a:solidFill>
+                  <a:schemeClr val="bg1"/>
+                </a:solidFill>
+                <a:latin typeface="DM Sans" pitchFamily="2" charset="77"/>
+              </a:rPr>
+              <a:t>th</a:t>
+            </a:r>
+            <a:r>
+              <a:rPr lang="en-US" sz="2000" b="1" dirty="0">
+                <a:solidFill>
+                  <a:schemeClr val="bg1"/>
+                </a:solidFill>
+                <a:latin typeface="DM Sans" pitchFamily="2" charset="77"/>
+              </a:rPr>
+              <a:t> percentile among their applicants</a:t>
+            </a:r>
+          </a:p>
+        </p:txBody>
+      </p:sp>
+      <p:pic>
+        <p:nvPicPr>
+          <p:cNvPr id="9" name="Picture 8">
+            <a:extLst>
+              <a:ext uri="{FF2B5EF4-FFF2-40B4-BE49-F238E27FC236}">
+                <a16:creationId xmlns:a16="http://schemas.microsoft.com/office/drawing/2014/main" id="{CA861A9B-60FB-0BDC-E1BD-E060DB30B219}"/>
+              </a:ext>
+            </a:extLst>
+          </p:cNvPr>
+          <p:cNvPicPr>
+            <a:picLocks noChangeAspect="1"/>
+          </p:cNvPicPr>
+          <p:nvPr/>
+        </p:nvPicPr>
+        <p:blipFill>
+          <a:blip r:embed="rId3"/>
+          <a:stretch>
+            <a:fillRect/>
+          </a:stretch>
+        </p:blipFill>
+        <p:spPr>
+          <a:xfrm>
+            <a:off x="335493" y="2132505"/>
+            <a:ext cx="4652396" cy="4652396"/>
+          </a:xfrm>
+          <a:prstGeom prst="rect">
+            <a:avLst/>
+          </a:prstGeom>
+        </p:spPr>
+      </p:pic>
     </p:spTree>
     <p:extLst>
       <p:ext uri="{BB962C8B-B14F-4D97-AF65-F5344CB8AC3E}">
@@ -5272,8 +5523,8 @@
         </p:nvSpPr>
         <p:spPr>
           <a:xfrm>
-            <a:off x="1287887" y="2367171"/>
-            <a:ext cx="9362941" cy="2677656"/>
+            <a:off x="1179971" y="2398702"/>
+            <a:ext cx="9832058" cy="2677656"/>
           </a:xfrm>
           <a:prstGeom prst="rect">
             <a:avLst/>
@@ -5294,7 +5545,7 @@
                 </a:solidFill>
                 <a:latin typeface="DM Sans" pitchFamily="2" charset="77"/>
               </a:rPr>
-              <a:t>Applicants may be able to get an advantage over competitors from their geographic region and at the colleges they’re applying to by selecting their test accordingly.</a:t>
+              <a:t>Applicants may be able to get an advantage over competitors from their geographic region and at the colleges they’re applying to by selecting their test accordingly. </a:t>
             </a:r>
           </a:p>
           <a:p>
@@ -5430,7 +5681,7 @@
                 </a:solidFill>
                 <a:latin typeface="DM Sans" pitchFamily="2" charset="77"/>
               </a:rPr>
-              <a:t>how much can a 30 on the SAT or 1 composite point on the ACT benefit a student? In what situations?</a:t>
+              <a:t>how much can 30 total points on the SAT or 1 composite point on the ACT benefit a student? In what situations?</a:t>
             </a:r>
           </a:p>
           <a:p>
